--- a/Later/Java_Util_package/Internationalization/I18N with Date/I18N with Date.pptx
+++ b/Later/Java_Util_package/Internationalization/I18N with Date/I18N with Date.pptx
@@ -5,11 +5,10 @@
     <p:sldMasterId id="2147483672" r:id="rId1"/>
   </p:sldMasterIdLst>
   <p:notesMasterIdLst>
-    <p:notesMasterId r:id="rId4"/>
+    <p:notesMasterId r:id="rId3"/>
   </p:notesMasterIdLst>
   <p:sldIdLst>
     <p:sldId id="432" r:id="rId2"/>
-    <p:sldId id="434" r:id="rId3"/>
   </p:sldIdLst>
   <p:sldSz cx="9144000" cy="5029200"/>
   <p:notesSz cx="6858000" cy="9144000"/>
@@ -532,95 +531,6 @@
             <a:fld id="{A883C400-BD9D-4609-A213-F91E9750031E}" type="slidenum">
               <a:rPr lang="en-US" smtClean="0"/>
               <a:t>1</a:t>
-            </a:fld>
-            <a:endParaRPr lang="en-US" dirty="0"/>
-          </a:p>
-        </p:txBody>
-      </p:sp>
-    </p:spTree>
-    <p:extLst>
-      <p:ext uri="{BB962C8B-B14F-4D97-AF65-F5344CB8AC3E}">
-        <p14:creationId xmlns:p14="http://schemas.microsoft.com/office/powerpoint/2010/main" val="4195558700"/>
-      </p:ext>
-    </p:extLst>
-  </p:cSld>
-  <p:clrMapOvr>
-    <a:masterClrMapping/>
-  </p:clrMapOvr>
-</p:notes>
-</file>
-
-<file path=ppt/notesSlides/notesSlide2.xml><?xml version="1.0" encoding="utf-8"?>
-<p:notes xmlns:a="http://schemas.openxmlformats.org/drawingml/2006/main" xmlns:r="http://schemas.openxmlformats.org/officeDocument/2006/relationships" xmlns:p="http://schemas.openxmlformats.org/presentationml/2006/main">
-  <p:cSld>
-    <p:spTree>
-      <p:nvGrpSpPr>
-        <p:cNvPr id="1" name=""/>
-        <p:cNvGrpSpPr/>
-        <p:nvPr/>
-      </p:nvGrpSpPr>
-      <p:grpSpPr>
-        <a:xfrm>
-          <a:off x="0" y="0"/>
-          <a:ext cx="0" cy="0"/>
-          <a:chOff x="0" y="0"/>
-          <a:chExt cx="0" cy="0"/>
-        </a:xfrm>
-      </p:grpSpPr>
-      <p:sp>
-        <p:nvSpPr>
-          <p:cNvPr id="2" name="Slide Image Placeholder 1"/>
-          <p:cNvSpPr>
-            <a:spLocks noGrp="1" noRot="1" noChangeAspect="1"/>
-          </p:cNvSpPr>
-          <p:nvPr>
-            <p:ph type="sldImg"/>
-          </p:nvPr>
-        </p:nvSpPr>
-        <p:spPr>
-          <a:xfrm>
-            <a:off x="312738" y="685800"/>
-            <a:ext cx="6232525" cy="3429000"/>
-          </a:xfrm>
-        </p:spPr>
-      </p:sp>
-      <p:sp>
-        <p:nvSpPr>
-          <p:cNvPr id="3" name="Notes Placeholder 2"/>
-          <p:cNvSpPr>
-            <a:spLocks noGrp="1"/>
-          </p:cNvSpPr>
-          <p:nvPr>
-            <p:ph type="body" idx="1"/>
-          </p:nvPr>
-        </p:nvSpPr>
-        <p:spPr/>
-        <p:txBody>
-          <a:bodyPr/>
-          <a:lstStyle/>
-          <a:p>
-            <a:endParaRPr lang="en-US" dirty="0"/>
-          </a:p>
-        </p:txBody>
-      </p:sp>
-      <p:sp>
-        <p:nvSpPr>
-          <p:cNvPr id="4" name="Slide Number Placeholder 3"/>
-          <p:cNvSpPr>
-            <a:spLocks noGrp="1"/>
-          </p:cNvSpPr>
-          <p:nvPr>
-            <p:ph type="sldNum" sz="quarter" idx="10"/>
-          </p:nvPr>
-        </p:nvSpPr>
-        <p:spPr/>
-        <p:txBody>
-          <a:bodyPr/>
-          <a:lstStyle/>
-          <a:p>
-            <a:fld id="{A883C400-BD9D-4609-A213-F91E9750031E}" type="slidenum">
-              <a:rPr lang="en-US" smtClean="0"/>
-              <a:t>2</a:t>
             </a:fld>
             <a:endParaRPr lang="en-US" dirty="0"/>
           </a:p>
@@ -3940,11 +3850,7 @@
           <a:p>
             <a:r>
               <a:rPr lang="en-US" sz="1200" dirty="0" smtClean="0"/>
-              <a:t>Language = </a:t>
-            </a:r>
-            <a:r>
-              <a:rPr lang="en-US" sz="1200" dirty="0" smtClean="0"/>
-              <a:t>French</a:t>
+              <a:t>Language = French</a:t>
             </a:r>
           </a:p>
           <a:p>
@@ -3963,7 +3869,6 @@
               <a:rPr lang="en-US" sz="1200" dirty="0"/>
               <a:t>. 2018</a:t>
             </a:r>
-            <a:endParaRPr lang="en-US" sz="1200" dirty="0"/>
           </a:p>
         </p:txBody>
       </p:sp>
@@ -4087,7 +3992,6 @@
               <a:rPr lang="en-US" sz="1200" dirty="0"/>
               <a:t>19, 2018</a:t>
             </a:r>
-            <a:endParaRPr lang="en-US" sz="1200" dirty="0"/>
           </a:p>
         </p:txBody>
       </p:sp>
@@ -4261,7 +4165,6 @@
               <a:rPr lang="en-US" sz="1200" dirty="0"/>
               <a:t> class. It receives the locale object as a parameter and returns the instance of the DateFormat class.</a:t>
             </a:r>
-            <a:endParaRPr lang="en-US" sz="1200" dirty="0"/>
           </a:p>
         </p:txBody>
       </p:sp>
@@ -4274,135 +4177,6 @@
   </p:cSld>
   <p:clrMapOvr>
     <a:overrideClrMapping bg1="lt1" tx1="dk1" bg2="lt2" tx2="dk2" accent1="accent1" accent2="accent2" accent3="accent3" accent4="accent4" accent5="accent5" accent6="accent6" hlink="hlink" folHlink="folHlink"/>
-  </p:clrMapOvr>
-  <mc:AlternateContent xmlns:mc="http://schemas.openxmlformats.org/markup-compatibility/2006" xmlns:p14="http://schemas.microsoft.com/office/powerpoint/2010/main">
-    <mc:Choice Requires="p14">
-      <p:transition spd="slow" p14:dur="2000"/>
-    </mc:Choice>
-    <mc:Fallback xmlns="">
-      <p:transition spd="slow"/>
-    </mc:Fallback>
-  </mc:AlternateContent>
-  <p:timing>
-    <p:tnLst>
-      <p:par>
-        <p:cTn id="1" dur="indefinite" restart="never" nodeType="tmRoot"/>
-      </p:par>
-    </p:tnLst>
-  </p:timing>
-</p:sld>
-</file>
-
-<file path=ppt/slides/slide2.xml><?xml version="1.0" encoding="utf-8"?>
-<p:sld xmlns:a="http://schemas.openxmlformats.org/drawingml/2006/main" xmlns:r="http://schemas.openxmlformats.org/officeDocument/2006/relationships" xmlns:p="http://schemas.openxmlformats.org/presentationml/2006/main">
-  <p:cSld>
-    <p:spTree>
-      <p:nvGrpSpPr>
-        <p:cNvPr id="1" name=""/>
-        <p:cNvGrpSpPr/>
-        <p:nvPr/>
-      </p:nvGrpSpPr>
-      <p:grpSpPr>
-        <a:xfrm>
-          <a:off x="0" y="0"/>
-          <a:ext cx="0" cy="0"/>
-          <a:chOff x="0" y="0"/>
-          <a:chExt cx="0" cy="0"/>
-        </a:xfrm>
-      </p:grpSpPr>
-      <p:sp>
-        <p:nvSpPr>
-          <p:cNvPr id="6" name="Rectangle 5"/>
-          <p:cNvSpPr/>
-          <p:nvPr/>
-        </p:nvSpPr>
-        <p:spPr>
-          <a:xfrm>
-            <a:off x="762000" y="914400"/>
-            <a:ext cx="7848600" cy="461665"/>
-          </a:xfrm>
-          <a:prstGeom prst="rect">
-            <a:avLst/>
-          </a:prstGeom>
-        </p:spPr>
-        <p:txBody>
-          <a:bodyPr wrap="square">
-            <a:spAutoFit/>
-          </a:bodyPr>
-          <a:lstStyle/>
-          <a:p>
-            <a:r>
-              <a:rPr lang="en-US" sz="1200" dirty="0">
-                <a:hlinkClick r:id="rId3"/>
-              </a:rPr>
-              <a:t>https://</a:t>
-            </a:r>
-            <a:r>
-              <a:rPr lang="en-US" sz="1200" dirty="0" smtClean="0">
-                <a:hlinkClick r:id="rId3"/>
-              </a:rPr>
-              <a:t>docs.oracle.com/javase/8/docs/api/index.html?java/util/ListResourceBundle.html</a:t>
-            </a:r>
-            <a:endParaRPr lang="en-US" sz="1200" dirty="0" smtClean="0"/>
-          </a:p>
-          <a:p>
-            <a:endParaRPr lang="en-US" sz="1200" dirty="0"/>
-          </a:p>
-        </p:txBody>
-      </p:sp>
-      <p:sp>
-        <p:nvSpPr>
-          <p:cNvPr id="5" name="Rectangle 4"/>
-          <p:cNvSpPr/>
-          <p:nvPr/>
-        </p:nvSpPr>
-        <p:spPr>
-          <a:xfrm>
-            <a:off x="3962400" y="9951"/>
-            <a:ext cx="914400" cy="276999"/>
-          </a:xfrm>
-          <a:prstGeom prst="rect">
-            <a:avLst/>
-          </a:prstGeom>
-        </p:spPr>
-        <p:style>
-          <a:lnRef idx="1">
-            <a:schemeClr val="accent4"/>
-          </a:lnRef>
-          <a:fillRef idx="3">
-            <a:schemeClr val="accent4"/>
-          </a:fillRef>
-          <a:effectRef idx="2">
-            <a:schemeClr val="accent4"/>
-          </a:effectRef>
-          <a:fontRef idx="minor">
-            <a:schemeClr val="lt1"/>
-          </a:fontRef>
-        </p:style>
-        <p:txBody>
-          <a:bodyPr wrap="square">
-            <a:spAutoFit/>
-          </a:bodyPr>
-          <a:lstStyle/>
-          <a:p>
-            <a:pPr algn="ctr"/>
-            <a:r>
-              <a:rPr lang="en-US" sz="1200" dirty="0" smtClean="0"/>
-              <a:t>TimerTask</a:t>
-            </a:r>
-            <a:endParaRPr lang="en-US" sz="1200" dirty="0"/>
-          </a:p>
-        </p:txBody>
-      </p:sp>
-    </p:spTree>
-    <p:extLst>
-      <p:ext uri="{BB962C8B-B14F-4D97-AF65-F5344CB8AC3E}">
-        <p14:creationId xmlns:p14="http://schemas.microsoft.com/office/powerpoint/2010/main" val="1483128057"/>
-      </p:ext>
-    </p:extLst>
-  </p:cSld>
-  <p:clrMapOvr>
-    <a:masterClrMapping/>
   </p:clrMapOvr>
   <mc:AlternateContent xmlns:mc="http://schemas.openxmlformats.org/markup-compatibility/2006" xmlns:p14="http://schemas.microsoft.com/office/powerpoint/2010/main">
     <mc:Choice Requires="p14">
